--- a/SC1015 Project Slides_PT1 (Team 8).pptx
+++ b/SC1015 Project Slides_PT1 (Team 8).pptx
@@ -5,7 +5,7 @@
     <p:sldMasterId id="2147483670" r:id="rId1"/>
   </p:sldMasterIdLst>
   <p:notesMasterIdLst>
-    <p:notesMasterId r:id="rId17"/>
+    <p:notesMasterId r:id="rId18"/>
   </p:notesMasterIdLst>
   <p:sldIdLst>
     <p:sldId id="256" r:id="rId2"/>
@@ -15,36 +15,37 @@
     <p:sldId id="298" r:id="rId6"/>
     <p:sldId id="309" r:id="rId7"/>
     <p:sldId id="310" r:id="rId8"/>
-    <p:sldId id="265" r:id="rId9"/>
-    <p:sldId id="299" r:id="rId10"/>
-    <p:sldId id="303" r:id="rId11"/>
-    <p:sldId id="304" r:id="rId12"/>
-    <p:sldId id="312" r:id="rId13"/>
-    <p:sldId id="307" r:id="rId14"/>
-    <p:sldId id="308" r:id="rId15"/>
-    <p:sldId id="311" r:id="rId16"/>
+    <p:sldId id="313" r:id="rId9"/>
+    <p:sldId id="265" r:id="rId10"/>
+    <p:sldId id="299" r:id="rId11"/>
+    <p:sldId id="303" r:id="rId12"/>
+    <p:sldId id="304" r:id="rId13"/>
+    <p:sldId id="312" r:id="rId14"/>
+    <p:sldId id="307" r:id="rId15"/>
+    <p:sldId id="308" r:id="rId16"/>
+    <p:sldId id="311" r:id="rId17"/>
   </p:sldIdLst>
   <p:sldSz cx="9144000" cy="5143500" type="screen16x9"/>
   <p:notesSz cx="6858000" cy="9144000"/>
   <p:embeddedFontLst>
     <p:embeddedFont>
-      <p:font typeface="Livvic Light" pitchFamily="2" charset="0"/>
-      <p:regular r:id="rId18"/>
-      <p:italic r:id="rId19"/>
+      <p:font typeface="Livvic Light" panose="020F0502020204030204" pitchFamily="34" charset="0"/>
+      <p:regular r:id="rId19"/>
+      <p:italic r:id="rId20"/>
     </p:embeddedFont>
     <p:embeddedFont>
-      <p:font typeface="Maven Pro" panose="020B0604020202020204" charset="0"/>
-      <p:regular r:id="rId20"/>
-      <p:bold r:id="rId21"/>
+      <p:font typeface="Maven Pro" pitchFamily="2" charset="77"/>
+      <p:regular r:id="rId21"/>
+      <p:bold r:id="rId22"/>
     </p:embeddedFont>
     <p:embeddedFont>
-      <p:font typeface="Nunito Light" pitchFamily="2" charset="0"/>
-      <p:regular r:id="rId22"/>
-      <p:italic r:id="rId23"/>
+      <p:font typeface="Nunito Light" panose="020F0302020204030204" pitchFamily="34" charset="0"/>
+      <p:regular r:id="rId23"/>
+      <p:italic r:id="rId24"/>
     </p:embeddedFont>
     <p:embeddedFont>
-      <p:font typeface="Share Tech" panose="020B0604020202020204" charset="0"/>
-      <p:regular r:id="rId24"/>
+      <p:font typeface="Share Tech" pitchFamily="2" charset="77"/>
+      <p:regular r:id="rId25"/>
     </p:embeddedFont>
   </p:embeddedFontLst>
   <p:defaultTextStyle>
@@ -2099,9 +2100,49 @@
           </a:bodyPr>
           <a:lstStyle/>
           <a:p>
+            <a:pPr marL="158750" marR="0" lvl="0" indent="0" algn="l" defTabSz="914400" rtl="0" eaLnBrk="1" fontAlgn="auto" latinLnBrk="0" hangingPunct="1">
+              <a:lnSpc>
+                <a:spcPct val="100000"/>
+              </a:lnSpc>
+              <a:spcBef>
+                <a:spcPts val="0"/>
+              </a:spcBef>
+              <a:spcAft>
+                <a:spcPts val="0"/>
+              </a:spcAft>
+              <a:buClr>
+                <a:srgbClr val="000000"/>
+              </a:buClr>
+              <a:buSzPts val="1100"/>
+              <a:buFont typeface="Arial"/>
+              <a:buNone/>
+              <a:tabLst/>
+              <a:defRPr/>
+            </a:pPr>
+            <a:r>
+              <a:rPr lang="en-US" sz="1100" dirty="0">
+                <a:latin typeface="Share Tech"/>
+                <a:cs typeface="Arial"/>
+              </a:rPr>
+              <a:t>The Logistic Regression model achieved a decent accuracy of 95.41% in predicting bankruptcy status</a:t>
+            </a:r>
+          </a:p>
+          <a:p>
             <a:pPr marL="158750" indent="0">
               <a:buNone/>
             </a:pPr>
+            <a:r>
+              <a:rPr lang="en-US" dirty="0"/>
+              <a:t>The values which were 3 SD. Away from the man values were removed. L.R, Random forests , </a:t>
+            </a:r>
+            <a:r>
+              <a:rPr lang="en-US" dirty="0" err="1"/>
+              <a:t>XgBoost</a:t>
+            </a:r>
+            <a:r>
+              <a:rPr lang="en-US" dirty="0"/>
+              <a:t> are inherently robust in handling outliers and they are able to split up the dataset into subsets effectively ignoring the outliers.</a:t>
+            </a:r>
             <a:endParaRPr dirty="0"/>
           </a:p>
         </p:txBody>
@@ -10794,6 +10835,215 @@
         </p:nvSpPr>
         <p:spPr>
           <a:xfrm>
+            <a:off x="564048" y="111888"/>
+            <a:ext cx="4727700" cy="577800"/>
+          </a:xfrm>
+          <a:prstGeom prst="rect">
+            <a:avLst/>
+          </a:prstGeom>
+        </p:spPr>
+        <p:txBody>
+          <a:bodyPr spcFirstLastPara="1" wrap="square" lIns="91425" tIns="91425" rIns="91425" bIns="91425" anchor="b" anchorCtr="0">
+            <a:noAutofit/>
+          </a:bodyPr>
+          <a:lstStyle/>
+          <a:p>
+            <a:pPr marL="0" lvl="0" indent="0" algn="l" rtl="0">
+              <a:spcBef>
+                <a:spcPts val="0"/>
+              </a:spcBef>
+              <a:spcAft>
+                <a:spcPts val="0"/>
+              </a:spcAft>
+              <a:buNone/>
+            </a:pPr>
+            <a:r>
+              <a:rPr lang="en-US" dirty="0"/>
+              <a:t>Feature Relationships</a:t>
+            </a:r>
+          </a:p>
+        </p:txBody>
+      </p:sp>
+      <p:sp>
+        <p:nvSpPr>
+          <p:cNvPr id="714" name="Google Shape;714;p34"/>
+          <p:cNvSpPr txBox="1"/>
+          <p:nvPr/>
+        </p:nvSpPr>
+        <p:spPr>
+          <a:xfrm>
+            <a:off x="564048" y="712860"/>
+            <a:ext cx="3308705" cy="3959031"/>
+          </a:xfrm>
+          <a:prstGeom prst="rect">
+            <a:avLst/>
+          </a:prstGeom>
+          <a:noFill/>
+          <a:ln>
+            <a:noFill/>
+          </a:ln>
+        </p:spPr>
+        <p:txBody>
+          <a:bodyPr spcFirstLastPara="1" wrap="square" lIns="91425" tIns="91425" rIns="91425" bIns="91425" anchor="t" anchorCtr="0">
+            <a:noAutofit/>
+          </a:bodyPr>
+          <a:lstStyle/>
+          <a:p>
+            <a:pPr marL="285750" indent="-285750" algn="l">
+              <a:buClr>
+                <a:schemeClr val="bg1"/>
+              </a:buClr>
+              <a:buFont typeface="Arial" panose="020B0604020202020204" pitchFamily="34" charset="0"/>
+              <a:buChar char="•"/>
+            </a:pPr>
+            <a:r>
+              <a:rPr lang="en-US" sz="1800" dirty="0">
+                <a:solidFill>
+                  <a:schemeClr val="lt1"/>
+                </a:solidFill>
+                <a:latin typeface="Share Tech"/>
+              </a:rPr>
+              <a:t>Most features do not separate bankrupt and non-bankrupt companies well</a:t>
+            </a:r>
+          </a:p>
+          <a:p>
+            <a:pPr algn="l">
+              <a:buClr>
+                <a:schemeClr val="bg1"/>
+              </a:buClr>
+            </a:pPr>
+            <a:endParaRPr lang="en-US" sz="1800" dirty="0">
+              <a:solidFill>
+                <a:schemeClr val="lt1"/>
+              </a:solidFill>
+              <a:latin typeface="Share Tech"/>
+            </a:endParaRPr>
+          </a:p>
+          <a:p>
+            <a:pPr marL="285750" indent="-285750" algn="l">
+              <a:buClr>
+                <a:schemeClr val="bg1"/>
+              </a:buClr>
+              <a:buFont typeface="Arial" panose="020B0604020202020204" pitchFamily="34" charset="0"/>
+              <a:buChar char="•"/>
+            </a:pPr>
+            <a:r>
+              <a:rPr lang="en-US" sz="1800" dirty="0">
+                <a:solidFill>
+                  <a:schemeClr val="lt1"/>
+                </a:solidFill>
+                <a:latin typeface="Share Tech"/>
+              </a:rPr>
+              <a:t>ROA(C) and Cash flow to total assets may be good bankruptcy predictors</a:t>
+            </a:r>
+          </a:p>
+          <a:p>
+            <a:pPr algn="l">
+              <a:buClr>
+                <a:schemeClr val="bg1"/>
+              </a:buClr>
+              <a:buFont typeface="Arial" panose="020B0604020202020204" pitchFamily="34" charset="0"/>
+              <a:buChar char="•"/>
+            </a:pPr>
+            <a:endParaRPr lang="en-US" sz="1800" dirty="0">
+              <a:solidFill>
+                <a:schemeClr val="lt1"/>
+              </a:solidFill>
+              <a:latin typeface="Share Tech"/>
+            </a:endParaRPr>
+          </a:p>
+          <a:p>
+            <a:pPr marL="285750" indent="-285750" algn="l">
+              <a:buClr>
+                <a:schemeClr val="bg1"/>
+              </a:buClr>
+              <a:buFont typeface="Arial" panose="020B0604020202020204" pitchFamily="34" charset="0"/>
+              <a:buChar char="•"/>
+            </a:pPr>
+            <a:r>
+              <a:rPr lang="en-US" sz="1800" dirty="0">
+                <a:solidFill>
+                  <a:schemeClr val="lt1"/>
+                </a:solidFill>
+                <a:latin typeface="Share Tech"/>
+              </a:rPr>
+              <a:t>Current ratio and quick ratio may require non-linear models for their relationship with bankruptcy</a:t>
+            </a:r>
+          </a:p>
+        </p:txBody>
+      </p:sp>
+      <p:pic>
+        <p:nvPicPr>
+          <p:cNvPr id="3" name="Picture 2">
+            <a:extLst>
+              <a:ext uri="{FF2B5EF4-FFF2-40B4-BE49-F238E27FC236}">
+                <a16:creationId xmlns:a16="http://schemas.microsoft.com/office/drawing/2014/main" id="{DF676138-BD12-CF56-AECD-359043118F8A}"/>
+              </a:ext>
+            </a:extLst>
+          </p:cNvPr>
+          <p:cNvPicPr>
+            <a:picLocks noChangeAspect="1"/>
+          </p:cNvPicPr>
+          <p:nvPr/>
+        </p:nvPicPr>
+        <p:blipFill>
+          <a:blip r:embed="rId3"/>
+          <a:stretch>
+            <a:fillRect/>
+          </a:stretch>
+        </p:blipFill>
+        <p:spPr>
+          <a:xfrm>
+            <a:off x="4495159" y="313745"/>
+            <a:ext cx="4140736" cy="4516010"/>
+          </a:xfrm>
+          <a:prstGeom prst="rect">
+            <a:avLst/>
+          </a:prstGeom>
+        </p:spPr>
+      </p:pic>
+    </p:spTree>
+    <p:extLst>
+      <p:ext uri="{BB962C8B-B14F-4D97-AF65-F5344CB8AC3E}">
+        <p14:creationId xmlns:p14="http://schemas.microsoft.com/office/powerpoint/2010/main" val="803935081"/>
+      </p:ext>
+    </p:extLst>
+  </p:cSld>
+  <p:clrMapOvr>
+    <a:masterClrMapping/>
+  </p:clrMapOvr>
+</p:sld>
+</file>
+
+<file path=ppt/slides/slide11.xml><?xml version="1.0" encoding="utf-8"?>
+<p:sld xmlns:a="http://schemas.openxmlformats.org/drawingml/2006/main" xmlns:r="http://schemas.openxmlformats.org/officeDocument/2006/relationships" xmlns:p="http://schemas.openxmlformats.org/presentationml/2006/main">
+  <p:cSld>
+    <p:spTree>
+      <p:nvGrpSpPr>
+        <p:cNvPr id="1" name="Shape 712"/>
+        <p:cNvGrpSpPr/>
+        <p:nvPr/>
+      </p:nvGrpSpPr>
+      <p:grpSpPr>
+        <a:xfrm>
+          <a:off x="0" y="0"/>
+          <a:ext cx="0" cy="0"/>
+          <a:chOff x="0" y="0"/>
+          <a:chExt cx="0" cy="0"/>
+        </a:xfrm>
+      </p:grpSpPr>
+      <p:sp>
+        <p:nvSpPr>
+          <p:cNvPr id="713" name="Google Shape;713;p34"/>
+          <p:cNvSpPr txBox="1">
+            <a:spLocks noGrp="1"/>
+          </p:cNvSpPr>
+          <p:nvPr>
+            <p:ph type="ctrTitle"/>
+          </p:nvPr>
+        </p:nvSpPr>
+        <p:spPr>
+          <a:xfrm>
             <a:off x="618824" y="411675"/>
             <a:ext cx="7330359" cy="577800"/>
           </a:xfrm>
@@ -10938,7 +11188,7 @@
 </p:sld>
 </file>
 
-<file path=ppt/slides/slide11.xml><?xml version="1.0" encoding="utf-8"?>
+<file path=ppt/slides/slide12.xml><?xml version="1.0" encoding="utf-8"?>
 <p:sld xmlns:a="http://schemas.openxmlformats.org/drawingml/2006/main" xmlns:r="http://schemas.openxmlformats.org/officeDocument/2006/relationships" xmlns:p="http://schemas.openxmlformats.org/presentationml/2006/main">
   <p:cSld>
     <p:spTree>
@@ -11183,7 +11433,7 @@
 </p:sld>
 </file>
 
-<file path=ppt/slides/slide12.xml><?xml version="1.0" encoding="utf-8"?>
+<file path=ppt/slides/slide13.xml><?xml version="1.0" encoding="utf-8"?>
 <p:sld xmlns:a="http://schemas.openxmlformats.org/drawingml/2006/main" xmlns:r="http://schemas.openxmlformats.org/officeDocument/2006/relationships" xmlns:p="http://schemas.openxmlformats.org/presentationml/2006/main">
   <p:cSld>
     <p:spTree>
@@ -11410,7 +11660,7 @@
 </p:sld>
 </file>
 
-<file path=ppt/slides/slide13.xml><?xml version="1.0" encoding="utf-8"?>
+<file path=ppt/slides/slide14.xml><?xml version="1.0" encoding="utf-8"?>
 <p:sld xmlns:a="http://schemas.openxmlformats.org/drawingml/2006/main" xmlns:r="http://schemas.openxmlformats.org/officeDocument/2006/relationships" xmlns:p="http://schemas.openxmlformats.org/presentationml/2006/main">
   <p:cSld>
     <p:bg>
@@ -11645,7 +11895,7 @@
 </p:sld>
 </file>
 
-<file path=ppt/slides/slide14.xml><?xml version="1.0" encoding="utf-8"?>
+<file path=ppt/slides/slide15.xml><?xml version="1.0" encoding="utf-8"?>
 <p:sld xmlns:a="http://schemas.openxmlformats.org/drawingml/2006/main" xmlns:r="http://schemas.openxmlformats.org/officeDocument/2006/relationships" xmlns:p="http://schemas.openxmlformats.org/presentationml/2006/main">
   <p:cSld>
     <p:spTree>
@@ -11839,7 +12089,7 @@
 </p:sld>
 </file>
 
-<file path=ppt/slides/slide15.xml><?xml version="1.0" encoding="utf-8"?>
+<file path=ppt/slides/slide16.xml><?xml version="1.0" encoding="utf-8"?>
 <p:sld xmlns:a="http://schemas.openxmlformats.org/drawingml/2006/main" xmlns:r="http://schemas.openxmlformats.org/officeDocument/2006/relationships" xmlns:p="http://schemas.openxmlformats.org/presentationml/2006/main">
   <p:cSld>
     <p:spTree>
@@ -14720,7 +14970,7 @@
         </p:nvSpPr>
         <p:spPr>
           <a:xfrm>
-            <a:off x="499651" y="972845"/>
+            <a:off x="-15612" y="626176"/>
             <a:ext cx="4162156" cy="3891148"/>
           </a:xfrm>
           <a:prstGeom prst="rect">
@@ -14738,7 +14988,7 @@
                 <a:latin typeface="Share Tech"/>
                 <a:cs typeface="Arial"/>
               </a:rPr>
-              <a:t>Highly imbalanced, may affect the performance of ML model prediction</a:t>
+              <a:t>Highly imbalanced, may affect the performance of ML model prediction as results may be biased.</a:t>
             </a:r>
           </a:p>
           <a:p>
@@ -14756,7 +15006,34 @@
                 <a:latin typeface="Share Tech"/>
                 <a:cs typeface="Arial"/>
               </a:rPr>
-              <a:t>Show distribution of bankrupt and non-bankrupt companies</a:t>
+              <a:t>Show distribution of bankrupt and non-bankrupt companies (6599 vs 220).</a:t>
+            </a:r>
+          </a:p>
+          <a:p>
+            <a:endParaRPr lang="en-US" sz="1800" dirty="0">
+              <a:latin typeface="Share Tech"/>
+              <a:cs typeface="Arial"/>
+            </a:endParaRPr>
+          </a:p>
+          <a:p>
+            <a:r>
+              <a:rPr lang="en-US" sz="1800" dirty="0">
+                <a:latin typeface="Share Tech"/>
+                <a:cs typeface="Arial"/>
+              </a:rPr>
+              <a:t>Net-Income Flag and Liability assets Flag columns have only has only </a:t>
+            </a:r>
+          </a:p>
+          <a:p>
+            <a:pPr marL="165100" indent="0">
+              <a:buNone/>
+            </a:pPr>
+            <a:r>
+              <a:rPr lang="en-US" sz="1800" dirty="0">
+                <a:latin typeface="Share Tech"/>
+                <a:cs typeface="Arial"/>
+              </a:rPr>
+              <a:t>     one type of significant data.</a:t>
             </a:r>
           </a:p>
         </p:txBody>
@@ -14773,7 +15050,7 @@
         </p:nvSpPr>
         <p:spPr>
           <a:xfrm>
-            <a:off x="640627" y="155462"/>
+            <a:off x="133800" y="42156"/>
             <a:ext cx="6656353" cy="577800"/>
           </a:xfrm>
           <a:prstGeom prst="rect">
@@ -14789,7 +15066,7 @@
             <a:pPr lvl="0"/>
             <a:r>
               <a:rPr lang="en-US" dirty="0"/>
-              <a:t>Data Exploration</a:t>
+              <a:t>Data Exploration (EDA)</a:t>
             </a:r>
             <a:endParaRPr dirty="0"/>
           </a:p>
@@ -14809,16 +15086,75 @@
           </p:cNvPicPr>
           <p:nvPr/>
         </p:nvPicPr>
+        <p:blipFill rotWithShape="1">
+          <a:blip r:embed="rId3"/>
+          <a:srcRect r="23241" b="5705"/>
+          <a:stretch/>
+        </p:blipFill>
+        <p:spPr>
+          <a:xfrm>
+            <a:off x="6620563" y="155462"/>
+            <a:ext cx="2446929" cy="2388162"/>
+          </a:xfrm>
+          <a:prstGeom prst="rect">
+            <a:avLst/>
+          </a:prstGeom>
+        </p:spPr>
+      </p:pic>
+      <p:pic>
+        <p:nvPicPr>
+          <p:cNvPr id="6" name="Picture 5">
+            <a:extLst>
+              <a:ext uri="{FF2B5EF4-FFF2-40B4-BE49-F238E27FC236}">
+                <a16:creationId xmlns:a16="http://schemas.microsoft.com/office/drawing/2014/main" id="{E4C846CA-CC01-450F-21F8-DB3132FB222D}"/>
+              </a:ext>
+            </a:extLst>
+          </p:cNvPr>
+          <p:cNvPicPr>
+            <a:picLocks noChangeAspect="1"/>
+          </p:cNvPicPr>
+          <p:nvPr/>
+        </p:nvPicPr>
         <p:blipFill>
-          <a:blip r:embed="rId3"/>
+          <a:blip r:embed="rId4"/>
           <a:stretch>
             <a:fillRect/>
           </a:stretch>
         </p:blipFill>
         <p:spPr>
           <a:xfrm>
-            <a:off x="4963886" y="1298986"/>
-            <a:ext cx="3204053" cy="2545528"/>
+            <a:off x="6620563" y="2698047"/>
+            <a:ext cx="2495057" cy="2445453"/>
+          </a:xfrm>
+          <a:prstGeom prst="rect">
+            <a:avLst/>
+          </a:prstGeom>
+        </p:spPr>
+      </p:pic>
+      <p:pic>
+        <p:nvPicPr>
+          <p:cNvPr id="7" name="Picture 6">
+            <a:extLst>
+              <a:ext uri="{FF2B5EF4-FFF2-40B4-BE49-F238E27FC236}">
+                <a16:creationId xmlns:a16="http://schemas.microsoft.com/office/drawing/2014/main" id="{497026BE-B23F-CF0B-9FEE-CAF58AEB074E}"/>
+              </a:ext>
+            </a:extLst>
+          </p:cNvPr>
+          <p:cNvPicPr>
+            <a:picLocks noChangeAspect="1"/>
+          </p:cNvPicPr>
+          <p:nvPr/>
+        </p:nvPicPr>
+        <p:blipFill>
+          <a:blip r:embed="rId5"/>
+          <a:stretch>
+            <a:fillRect/>
+          </a:stretch>
+        </p:blipFill>
+        <p:spPr>
+          <a:xfrm>
+            <a:off x="3895048" y="1362382"/>
+            <a:ext cx="2725515" cy="2671330"/>
           </a:xfrm>
           <a:prstGeom prst="rect">
             <a:avLst/>
@@ -14867,8 +15203,8 @@
         </p:nvSpPr>
         <p:spPr>
           <a:xfrm>
-            <a:off x="499651" y="972845"/>
-            <a:ext cx="3204053" cy="3891148"/>
+            <a:off x="98654" y="447856"/>
+            <a:ext cx="5082946" cy="3891148"/>
           </a:xfrm>
           <a:prstGeom prst="rect">
             <a:avLst/>
@@ -14880,15 +15216,6 @@
           </a:bodyPr>
           <a:lstStyle/>
           <a:p>
-            <a:r>
-              <a:rPr lang="en-US" sz="1800" dirty="0">
-                <a:latin typeface="Share Tech"/>
-                <a:cs typeface="Arial"/>
-              </a:rPr>
-              <a:t>The Logistic Regression model achieved a decent accuracy of 95.41% in predicting bankruptcy status</a:t>
-            </a:r>
-          </a:p>
-          <a:p>
             <a:pPr marL="165100" indent="0">
               <a:buNone/>
             </a:pPr>
@@ -14903,7 +15230,51 @@
                 <a:latin typeface="Share Tech"/>
                 <a:cs typeface="Arial"/>
               </a:rPr>
-              <a:t>Removing outliers led to an increase in accuracy and a decrease in the false-negative rate</a:t>
+              <a:t>Significant number of outliers were seen in 89 out of the 92 columns of features that were in the dataset.</a:t>
+            </a:r>
+          </a:p>
+          <a:p>
+            <a:endParaRPr lang="en-US" sz="1800" dirty="0">
+              <a:latin typeface="Share Tech"/>
+              <a:cs typeface="Arial"/>
+            </a:endParaRPr>
+          </a:p>
+          <a:p>
+            <a:r>
+              <a:rPr lang="en-US" sz="1800" dirty="0">
+                <a:latin typeface="Share Tech"/>
+                <a:cs typeface="Arial"/>
+              </a:rPr>
+              <a:t>Removing outliers will lead to an increase in accuracy and a decrease in the false-negative rate</a:t>
+            </a:r>
+          </a:p>
+          <a:p>
+            <a:endParaRPr lang="en-US" sz="1800" dirty="0">
+              <a:latin typeface="Share Tech"/>
+              <a:cs typeface="Arial"/>
+            </a:endParaRPr>
+          </a:p>
+          <a:p>
+            <a:r>
+              <a:rPr lang="en-US" sz="1800" dirty="0">
+                <a:latin typeface="Share Tech"/>
+                <a:cs typeface="Arial"/>
+              </a:rPr>
+              <a:t>Logistic Regression, Random Forest and </a:t>
+            </a:r>
+            <a:r>
+              <a:rPr lang="en-US" sz="1800" dirty="0" err="1">
+                <a:latin typeface="Share Tech"/>
+                <a:cs typeface="Arial"/>
+              </a:rPr>
+              <a:t>XGBoost</a:t>
+            </a:r>
+            <a:r>
+              <a:rPr lang="en-US" sz="1800" dirty="0">
+                <a:latin typeface="Share Tech"/>
+                <a:cs typeface="Arial"/>
+              </a:rPr>
+              <a:t> classifier models handle outliers well.</a:t>
             </a:r>
           </a:p>
         </p:txBody>
@@ -14920,7 +15291,7 @@
         </p:nvSpPr>
         <p:spPr>
           <a:xfrm>
-            <a:off x="640627" y="155462"/>
+            <a:off x="227824" y="77445"/>
             <a:ext cx="6656353" cy="577800"/>
           </a:xfrm>
           <a:prstGeom prst="rect">
@@ -14936,7 +15307,7 @@
             <a:pPr lvl="0"/>
             <a:r>
               <a:rPr lang="en-US" dirty="0"/>
-              <a:t>Outliers(Box Plot)</a:t>
+              <a:t>Outliers (Box Plot)</a:t>
             </a:r>
             <a:endParaRPr dirty="0"/>
           </a:p>
@@ -14944,64 +15315,180 @@
       </p:sp>
       <p:pic>
         <p:nvPicPr>
-          <p:cNvPr id="6" name="Picture 5">
+          <p:cNvPr id="1026" name="Picture 2" descr="outliers">
             <a:extLst>
               <a:ext uri="{FF2B5EF4-FFF2-40B4-BE49-F238E27FC236}">
-                <a16:creationId xmlns:a16="http://schemas.microsoft.com/office/drawing/2014/main" id="{0EFC5F7B-AFAF-B29D-8C92-7B1A4054CD52}"/>
+                <a16:creationId xmlns:a16="http://schemas.microsoft.com/office/drawing/2014/main" id="{4113A929-F0F6-4850-3E71-881FD339AFB5}"/>
               </a:ext>
             </a:extLst>
           </p:cNvPr>
           <p:cNvPicPr>
-            <a:picLocks noChangeAspect="1"/>
+            <a:picLocks noChangeAspect="1" noChangeArrowheads="1"/>
           </p:cNvPicPr>
           <p:nvPr/>
         </p:nvPicPr>
         <p:blipFill>
-          <a:blip r:embed="rId3"/>
+          <a:blip r:embed="rId3">
+            <a:extLst>
+              <a:ext uri="{28A0092B-C50C-407E-A947-70E740481C1C}">
+                <a14:useLocalDpi xmlns:a14="http://schemas.microsoft.com/office/drawing/2010/main" val="0"/>
+              </a:ext>
+            </a:extLst>
+          </a:blip>
+          <a:srcRect/>
           <a:stretch>
             <a:fillRect/>
           </a:stretch>
         </p:blipFill>
-        <p:spPr>
+        <p:spPr bwMode="auto">
           <a:xfrm>
-            <a:off x="5355771" y="568619"/>
-            <a:ext cx="2603717" cy="2069886"/>
+            <a:off x="5588000" y="77445"/>
+            <a:ext cx="3016018" cy="2131319"/>
           </a:xfrm>
           <a:prstGeom prst="rect">
             <a:avLst/>
           </a:prstGeom>
+          <a:noFill/>
+          <a:extLst>
+            <a:ext uri="{909E8E84-426E-40DD-AFC4-6F175D3DCCD1}">
+              <a14:hiddenFill xmlns:a14="http://schemas.microsoft.com/office/drawing/2010/main">
+                <a:solidFill>
+                  <a:srgbClr val="FFFFFF"/>
+                </a:solidFill>
+              </a14:hiddenFill>
+            </a:ext>
+          </a:extLst>
         </p:spPr>
       </p:pic>
       <p:pic>
         <p:nvPicPr>
-          <p:cNvPr id="8" name="Picture 7">
+          <p:cNvPr id="1030" name="Picture 6" descr="handled_outliers">
             <a:extLst>
               <a:ext uri="{FF2B5EF4-FFF2-40B4-BE49-F238E27FC236}">
-                <a16:creationId xmlns:a16="http://schemas.microsoft.com/office/drawing/2014/main" id="{E00CE4C1-DE23-ACE9-ABFF-1E66B036D458}"/>
+                <a16:creationId xmlns:a16="http://schemas.microsoft.com/office/drawing/2014/main" id="{9263F1C2-F1A0-2C43-D2A7-675E46E17878}"/>
               </a:ext>
             </a:extLst>
           </p:cNvPr>
           <p:cNvPicPr>
-            <a:picLocks noChangeAspect="1"/>
+            <a:picLocks noChangeAspect="1" noChangeArrowheads="1"/>
           </p:cNvPicPr>
           <p:nvPr/>
         </p:nvPicPr>
         <p:blipFill>
-          <a:blip r:embed="rId4"/>
+          <a:blip r:embed="rId4">
+            <a:extLst>
+              <a:ext uri="{28A0092B-C50C-407E-A947-70E740481C1C}">
+                <a14:useLocalDpi xmlns:a14="http://schemas.microsoft.com/office/drawing/2010/main" val="0"/>
+              </a:ext>
+            </a:extLst>
+          </a:blip>
+          <a:srcRect/>
           <a:stretch>
             <a:fillRect/>
           </a:stretch>
         </p:blipFill>
-        <p:spPr>
+        <p:spPr bwMode="auto">
           <a:xfrm>
-            <a:off x="5355771" y="2774698"/>
-            <a:ext cx="2603717" cy="2078164"/>
+            <a:off x="5440298" y="2613579"/>
+            <a:ext cx="3146172" cy="2141373"/>
           </a:xfrm>
           <a:prstGeom prst="rect">
             <a:avLst/>
           </a:prstGeom>
+          <a:noFill/>
+          <a:extLst>
+            <a:ext uri="{909E8E84-426E-40DD-AFC4-6F175D3DCCD1}">
+              <a14:hiddenFill xmlns:a14="http://schemas.microsoft.com/office/drawing/2010/main">
+                <a:solidFill>
+                  <a:srgbClr val="FFFFFF"/>
+                </a:solidFill>
+              </a14:hiddenFill>
+            </a:ext>
+          </a:extLst>
         </p:spPr>
       </p:pic>
+      <p:sp>
+        <p:nvSpPr>
+          <p:cNvPr id="2" name="TextBox 1">
+            <a:extLst>
+              <a:ext uri="{FF2B5EF4-FFF2-40B4-BE49-F238E27FC236}">
+                <a16:creationId xmlns:a16="http://schemas.microsoft.com/office/drawing/2014/main" id="{191AF9EA-4902-BB38-2E5E-8E5A9BF1547F}"/>
+              </a:ext>
+            </a:extLst>
+          </p:cNvPr>
+          <p:cNvSpPr txBox="1"/>
+          <p:nvPr/>
+        </p:nvSpPr>
+        <p:spPr>
+          <a:xfrm>
+            <a:off x="6659129" y="2208764"/>
+            <a:ext cx="873760" cy="369332"/>
+          </a:xfrm>
+          <a:prstGeom prst="rect">
+            <a:avLst/>
+          </a:prstGeom>
+          <a:noFill/>
+        </p:spPr>
+        <p:txBody>
+          <a:bodyPr wrap="square" rtlCol="0">
+            <a:spAutoFit/>
+          </a:bodyPr>
+          <a:lstStyle/>
+          <a:p>
+            <a:r>
+              <a:rPr lang="en-US" sz="1800" dirty="0">
+                <a:solidFill>
+                  <a:schemeClr val="lt1"/>
+                </a:solidFill>
+                <a:latin typeface="Share Tech"/>
+                <a:sym typeface="Maven Pro"/>
+              </a:rPr>
+              <a:t>Before</a:t>
+            </a:r>
+          </a:p>
+        </p:txBody>
+      </p:sp>
+      <p:sp>
+        <p:nvSpPr>
+          <p:cNvPr id="3" name="TextBox 2">
+            <a:extLst>
+              <a:ext uri="{FF2B5EF4-FFF2-40B4-BE49-F238E27FC236}">
+                <a16:creationId xmlns:a16="http://schemas.microsoft.com/office/drawing/2014/main" id="{53DF7A93-C830-F0B8-A154-6490B207198F}"/>
+              </a:ext>
+            </a:extLst>
+          </p:cNvPr>
+          <p:cNvSpPr txBox="1"/>
+          <p:nvPr/>
+        </p:nvSpPr>
+        <p:spPr>
+          <a:xfrm>
+            <a:off x="6738180" y="4802001"/>
+            <a:ext cx="873760" cy="369332"/>
+          </a:xfrm>
+          <a:prstGeom prst="rect">
+            <a:avLst/>
+          </a:prstGeom>
+          <a:noFill/>
+        </p:spPr>
+        <p:txBody>
+          <a:bodyPr wrap="square" rtlCol="0">
+            <a:spAutoFit/>
+          </a:bodyPr>
+          <a:lstStyle/>
+          <a:p>
+            <a:r>
+              <a:rPr lang="en-US" sz="1800" dirty="0">
+                <a:solidFill>
+                  <a:schemeClr val="lt1"/>
+                </a:solidFill>
+                <a:latin typeface="Share Tech"/>
+                <a:sym typeface="Maven Pro"/>
+              </a:rPr>
+              <a:t>After</a:t>
+            </a:r>
+          </a:p>
+        </p:txBody>
+      </p:sp>
     </p:spTree>
     <p:extLst>
       <p:ext uri="{BB962C8B-B14F-4D97-AF65-F5344CB8AC3E}">
@@ -15020,7 +15507,7 @@
   <p:cSld>
     <p:spTree>
       <p:nvGrpSpPr>
-        <p:cNvPr id="1" name="Shape 712"/>
+        <p:cNvPr id="1" name=""/>
         <p:cNvGrpSpPr/>
         <p:nvPr/>
       </p:nvGrpSpPr>
@@ -15034,8 +15521,14 @@
       </p:grpSpPr>
       <p:sp>
         <p:nvSpPr>
-          <p:cNvPr id="713" name="Google Shape;713;p34"/>
-          <p:cNvSpPr txBox="1">
+          <p:cNvPr id="3" name="Title 2">
+            <a:extLst>
+              <a:ext uri="{FF2B5EF4-FFF2-40B4-BE49-F238E27FC236}">
+                <a16:creationId xmlns:a16="http://schemas.microsoft.com/office/drawing/2014/main" id="{74AEA1D1-9CBF-BA52-A4D9-520A6B0E87DB}"/>
+              </a:ext>
+            </a:extLst>
+          </p:cNvPr>
+          <p:cNvSpPr>
             <a:spLocks noGrp="1"/>
           </p:cNvSpPr>
           <p:nvPr>
@@ -15044,62 +15537,208 @@
         </p:nvSpPr>
         <p:spPr>
           <a:xfrm>
-            <a:off x="564048" y="80224"/>
+            <a:off x="135939" y="82901"/>
             <a:ext cx="4727700" cy="577800"/>
+          </a:xfrm>
+        </p:spPr>
+        <p:txBody>
+          <a:bodyPr/>
+          <a:lstStyle/>
+          <a:p>
+            <a:r>
+              <a:rPr lang="en-US" dirty="0"/>
+              <a:t>SMOTE and VIF</a:t>
+            </a:r>
+          </a:p>
+        </p:txBody>
+      </p:sp>
+      <p:pic>
+        <p:nvPicPr>
+          <p:cNvPr id="2050" name="Picture 2" descr="balance">
+            <a:extLst>
+              <a:ext uri="{FF2B5EF4-FFF2-40B4-BE49-F238E27FC236}">
+                <a16:creationId xmlns:a16="http://schemas.microsoft.com/office/drawing/2014/main" id="{4A1C657F-BBD1-FD30-8699-19A1CF331DD3}"/>
+              </a:ext>
+            </a:extLst>
+          </p:cNvPr>
+          <p:cNvPicPr>
+            <a:picLocks noChangeAspect="1" noChangeArrowheads="1"/>
+          </p:cNvPicPr>
+          <p:nvPr/>
+        </p:nvPicPr>
+        <p:blipFill>
+          <a:blip r:embed="rId2">
+            <a:extLst>
+              <a:ext uri="{28A0092B-C50C-407E-A947-70E740481C1C}">
+                <a14:useLocalDpi xmlns:a14="http://schemas.microsoft.com/office/drawing/2010/main" val="0"/>
+              </a:ext>
+            </a:extLst>
+          </a:blip>
+          <a:srcRect/>
+          <a:stretch>
+            <a:fillRect/>
+          </a:stretch>
+        </p:blipFill>
+        <p:spPr bwMode="auto">
+          <a:xfrm>
+            <a:off x="6342273" y="669608"/>
+            <a:ext cx="2801727" cy="1713998"/>
+          </a:xfrm>
+          <a:prstGeom prst="rect">
+            <a:avLst/>
+          </a:prstGeom>
+          <a:noFill/>
+          <a:extLst>
+            <a:ext uri="{909E8E84-426E-40DD-AFC4-6F175D3DCCD1}">
+              <a14:hiddenFill xmlns:a14="http://schemas.microsoft.com/office/drawing/2010/main">
+                <a:solidFill>
+                  <a:srgbClr val="FFFFFF"/>
+                </a:solidFill>
+              </a14:hiddenFill>
+            </a:ext>
+          </a:extLst>
+        </p:spPr>
+      </p:pic>
+      <p:pic>
+        <p:nvPicPr>
+          <p:cNvPr id="5" name="Picture 4">
+            <a:extLst>
+              <a:ext uri="{FF2B5EF4-FFF2-40B4-BE49-F238E27FC236}">
+                <a16:creationId xmlns:a16="http://schemas.microsoft.com/office/drawing/2014/main" id="{07A53846-2E63-E4F7-28B4-CEED2D29EA91}"/>
+              </a:ext>
+            </a:extLst>
+          </p:cNvPr>
+          <p:cNvPicPr>
+            <a:picLocks noChangeAspect="1"/>
+          </p:cNvPicPr>
+          <p:nvPr/>
+        </p:nvPicPr>
+        <p:blipFill rotWithShape="1">
+          <a:blip r:embed="rId3"/>
+          <a:srcRect r="23241" b="5705"/>
+          <a:stretch/>
+        </p:blipFill>
+        <p:spPr>
+          <a:xfrm>
+            <a:off x="4162380" y="86806"/>
+            <a:ext cx="2353319" cy="2296800"/>
           </a:xfrm>
           <a:prstGeom prst="rect">
             <a:avLst/>
           </a:prstGeom>
         </p:spPr>
-        <p:txBody>
-          <a:bodyPr spcFirstLastPara="1" wrap="square" lIns="91425" tIns="91425" rIns="91425" bIns="91425" anchor="b" anchorCtr="0">
-            <a:noAutofit/>
-          </a:bodyPr>
-          <a:lstStyle/>
-          <a:p>
-            <a:pPr marL="0" lvl="0" indent="0" algn="l" rtl="0">
-              <a:spcBef>
-                <a:spcPts val="0"/>
-              </a:spcBef>
-              <a:spcAft>
-                <a:spcPts val="0"/>
-              </a:spcAft>
-              <a:buNone/>
-            </a:pPr>
-            <a:r>
-              <a:rPr lang="en-US" dirty="0"/>
-              <a:t>Correlation Matrix Heatmap</a:t>
-            </a:r>
-            <a:endParaRPr dirty="0"/>
-          </a:p>
-        </p:txBody>
-      </p:sp>
+      </p:pic>
       <p:sp>
         <p:nvSpPr>
-          <p:cNvPr id="714" name="Google Shape;714;p34"/>
+          <p:cNvPr id="6" name="TextBox 5">
+            <a:extLst>
+              <a:ext uri="{FF2B5EF4-FFF2-40B4-BE49-F238E27FC236}">
+                <a16:creationId xmlns:a16="http://schemas.microsoft.com/office/drawing/2014/main" id="{7CECA845-2BEC-FF15-845D-FA50475FFD02}"/>
+              </a:ext>
+            </a:extLst>
+          </p:cNvPr>
           <p:cNvSpPr txBox="1"/>
           <p:nvPr/>
         </p:nvSpPr>
         <p:spPr>
           <a:xfrm>
-            <a:off x="564048" y="825727"/>
-            <a:ext cx="3330805" cy="3492045"/>
+            <a:off x="5011265" y="2374699"/>
+            <a:ext cx="873760" cy="369332"/>
           </a:xfrm>
           <a:prstGeom prst="rect">
             <a:avLst/>
           </a:prstGeom>
           <a:noFill/>
-          <a:ln>
-            <a:noFill/>
-          </a:ln>
         </p:spPr>
         <p:txBody>
-          <a:bodyPr spcFirstLastPara="1" wrap="square" lIns="91425" tIns="91425" rIns="91425" bIns="91425" anchor="t" anchorCtr="0">
-            <a:noAutofit/>
+          <a:bodyPr wrap="square" rtlCol="0">
+            <a:spAutoFit/>
           </a:bodyPr>
           <a:lstStyle/>
           <a:p>
-            <a:pPr marL="285750" lvl="3" indent="-285750">
+            <a:r>
+              <a:rPr lang="en-US" sz="1800" dirty="0">
+                <a:solidFill>
+                  <a:schemeClr val="lt1"/>
+                </a:solidFill>
+                <a:latin typeface="Share Tech"/>
+                <a:sym typeface="Maven Pro"/>
+              </a:rPr>
+              <a:t>Before</a:t>
+            </a:r>
+          </a:p>
+        </p:txBody>
+      </p:sp>
+      <p:sp>
+        <p:nvSpPr>
+          <p:cNvPr id="7" name="TextBox 6">
+            <a:extLst>
+              <a:ext uri="{FF2B5EF4-FFF2-40B4-BE49-F238E27FC236}">
+                <a16:creationId xmlns:a16="http://schemas.microsoft.com/office/drawing/2014/main" id="{AA4177C5-787C-7AE0-3015-016F4361D5CD}"/>
+              </a:ext>
+            </a:extLst>
+          </p:cNvPr>
+          <p:cNvSpPr txBox="1"/>
+          <p:nvPr/>
+        </p:nvSpPr>
+        <p:spPr>
+          <a:xfrm>
+            <a:off x="7519016" y="2432511"/>
+            <a:ext cx="873760" cy="369332"/>
+          </a:xfrm>
+          <a:prstGeom prst="rect">
+            <a:avLst/>
+          </a:prstGeom>
+          <a:noFill/>
+        </p:spPr>
+        <p:txBody>
+          <a:bodyPr wrap="square" rtlCol="0">
+            <a:spAutoFit/>
+          </a:bodyPr>
+          <a:lstStyle/>
+          <a:p>
+            <a:r>
+              <a:rPr lang="en-US" sz="1800" dirty="0">
+                <a:solidFill>
+                  <a:schemeClr val="lt1"/>
+                </a:solidFill>
+                <a:latin typeface="Share Tech"/>
+                <a:sym typeface="Maven Pro"/>
+              </a:rPr>
+              <a:t>After</a:t>
+            </a:r>
+          </a:p>
+        </p:txBody>
+      </p:sp>
+      <p:sp>
+        <p:nvSpPr>
+          <p:cNvPr id="8" name="TextBox 7">
+            <a:extLst>
+              <a:ext uri="{FF2B5EF4-FFF2-40B4-BE49-F238E27FC236}">
+                <a16:creationId xmlns:a16="http://schemas.microsoft.com/office/drawing/2014/main" id="{CA031053-EE5F-13A2-B834-989990C21539}"/>
+              </a:ext>
+            </a:extLst>
+          </p:cNvPr>
+          <p:cNvSpPr txBox="1"/>
+          <p:nvPr/>
+        </p:nvSpPr>
+        <p:spPr>
+          <a:xfrm>
+            <a:off x="236305" y="739740"/>
+            <a:ext cx="3698697" cy="5201424"/>
+          </a:xfrm>
+          <a:prstGeom prst="rect">
+            <a:avLst/>
+          </a:prstGeom>
+          <a:noFill/>
+        </p:spPr>
+        <p:txBody>
+          <a:bodyPr wrap="square" rtlCol="0">
+            <a:spAutoFit/>
+          </a:bodyPr>
+          <a:lstStyle/>
+          <a:p>
+            <a:pPr marL="285750" indent="-285750">
               <a:buClr>
                 <a:schemeClr val="bg1"/>
               </a:buClr>
@@ -15109,30 +15748,47 @@
             <a:r>
               <a:rPr lang="en-US" sz="1800" dirty="0">
                 <a:solidFill>
-                  <a:schemeClr val="lt1"/>
+                  <a:schemeClr val="bg1"/>
                 </a:solidFill>
                 <a:latin typeface="Share Tech"/>
                 <a:sym typeface="Maven Pro"/>
               </a:rPr>
-              <a:t>ROA(C) and operating gross margin have high correlation with bankruptcy status and may be good bankruptcy predictors.</a:t>
+              <a:t>Imbalance</a:t>
             </a:r>
-          </a:p>
-          <a:p>
-            <a:pPr algn="l">
-              <a:buClr>
+            <a:r>
+              <a:rPr lang="en-US" sz="1800" dirty="0">
+                <a:solidFill>
+                  <a:schemeClr val="bg1"/>
+                </a:solidFill>
+              </a:rPr>
+              <a:t> </a:t>
+            </a:r>
+            <a:r>
+              <a:rPr lang="en-US" sz="1800" dirty="0">
+                <a:solidFill>
+                  <a:schemeClr val="bg1"/>
+                </a:solidFill>
+                <a:latin typeface="Share Tech"/>
+                <a:sym typeface="Maven Pro"/>
+              </a:rPr>
+              <a:t>of the target variable was fixed using SMOTE technique.</a:t>
+            </a:r>
+          </a:p>
+          <a:p>
+            <a:pPr marL="285750" indent="-285750">
+              <a:buFont typeface="Arial" panose="020B0604020202020204" pitchFamily="34" charset="0"/>
+              <a:buChar char="•"/>
+            </a:pPr>
+            <a:endParaRPr lang="en-US" sz="1600" dirty="0">
+              <a:solidFill>
                 <a:schemeClr val="bg1"/>
-              </a:buClr>
-            </a:pPr>
-            <a:endParaRPr lang="en-US" sz="1800" dirty="0">
-              <a:solidFill>
-                <a:schemeClr val="lt1"/>
               </a:solidFill>
               <a:latin typeface="Share Tech"/>
               <a:sym typeface="Maven Pro"/>
             </a:endParaRPr>
           </a:p>
           <a:p>
-            <a:pPr marL="285750" indent="-285750" algn="l">
+            <a:pPr marL="285750" indent="-285750">
               <a:buClr>
                 <a:schemeClr val="bg1"/>
               </a:buClr>
@@ -15140,23 +15796,160 @@
               <a:buChar char="•"/>
             </a:pPr>
             <a:r>
-              <a:rPr lang="en-US" sz="1800" dirty="0">
+              <a:rPr lang="en-US" sz="1600" dirty="0">
                 <a:solidFill>
-                  <a:schemeClr val="lt1"/>
+                  <a:schemeClr val="bg1"/>
                 </a:solidFill>
                 <a:latin typeface="Share Tech"/>
+                <a:sym typeface="Maven Pro"/>
               </a:rPr>
-              <a:t>Negative correlation exists between net income and current liability ratios with bankruptcy.</a:t>
+              <a:t>Reduce from 92 columns of predictor variables to 31 unique and independent variables</a:t>
             </a:r>
+          </a:p>
+          <a:p>
+            <a:pPr marL="285750" indent="-285750">
+              <a:buFont typeface="Arial" panose="020B0604020202020204" pitchFamily="34" charset="0"/>
+              <a:buChar char="•"/>
+            </a:pPr>
+            <a:endParaRPr lang="en-US" sz="1600" dirty="0">
+              <a:solidFill>
+                <a:schemeClr val="bg1"/>
+              </a:solidFill>
+              <a:latin typeface="Share Tech"/>
+              <a:sym typeface="Maven Pro"/>
+            </a:endParaRPr>
+          </a:p>
+          <a:p>
+            <a:pPr marL="285750" indent="-285750">
+              <a:buClr>
+                <a:schemeClr val="bg1"/>
+              </a:buClr>
+              <a:buFont typeface="Arial" panose="020B0604020202020204" pitchFamily="34" charset="0"/>
+              <a:buChar char="•"/>
+            </a:pPr>
+            <a:r>
+              <a:rPr lang="en-US" sz="1600" dirty="0">
+                <a:solidFill>
+                  <a:schemeClr val="bg1"/>
+                </a:solidFill>
+                <a:latin typeface="Share Tech"/>
+                <a:sym typeface="Maven Pro"/>
+              </a:rPr>
+              <a:t>High multicollinearity between predictor variables can lead to unstable and unreliable regression coefficients, which can affect the accuracy of the prediction model.</a:t>
+            </a:r>
+          </a:p>
+          <a:p>
+            <a:pPr marL="285750" indent="-285750">
+              <a:buFont typeface="Arial" panose="020B0604020202020204" pitchFamily="34" charset="0"/>
+              <a:buChar char="•"/>
+            </a:pPr>
+            <a:endParaRPr lang="en-US" sz="1600" dirty="0">
+              <a:solidFill>
+                <a:schemeClr val="bg1"/>
+              </a:solidFill>
+              <a:latin typeface="Share Tech"/>
+              <a:sym typeface="Maven Pro"/>
+            </a:endParaRPr>
+          </a:p>
+          <a:p>
+            <a:pPr marL="285750" indent="-285750">
+              <a:buFont typeface="Arial" panose="020B0604020202020204" pitchFamily="34" charset="0"/>
+              <a:buChar char="•"/>
+            </a:pPr>
+            <a:endParaRPr lang="en-US" sz="1600" dirty="0">
+              <a:solidFill>
+                <a:schemeClr val="bg1"/>
+              </a:solidFill>
+              <a:latin typeface="Share Tech"/>
+              <a:sym typeface="Maven Pro"/>
+            </a:endParaRPr>
+          </a:p>
+          <a:p>
+            <a:pPr marL="285750" indent="-285750">
+              <a:buFont typeface="Arial" panose="020B0604020202020204" pitchFamily="34" charset="0"/>
+              <a:buChar char="•"/>
+            </a:pPr>
+            <a:endParaRPr lang="en-US" sz="1600" dirty="0">
+              <a:solidFill>
+                <a:schemeClr val="bg1"/>
+              </a:solidFill>
+              <a:latin typeface="Share Tech"/>
+              <a:sym typeface="Maven Pro"/>
+            </a:endParaRPr>
+          </a:p>
+          <a:p>
+            <a:pPr marL="285750" indent="-285750">
+              <a:buFont typeface="Arial" panose="020B0604020202020204" pitchFamily="34" charset="0"/>
+              <a:buChar char="•"/>
+            </a:pPr>
+            <a:endParaRPr lang="en-US" sz="1600" dirty="0">
+              <a:solidFill>
+                <a:schemeClr val="bg1"/>
+              </a:solidFill>
+              <a:latin typeface="Share Tech"/>
+              <a:sym typeface="Maven Pro"/>
+            </a:endParaRPr>
+          </a:p>
+          <a:p>
+            <a:pPr marL="285750" indent="-285750">
+              <a:buFont typeface="Arial" panose="020B0604020202020204" pitchFamily="34" charset="0"/>
+              <a:buChar char="•"/>
+            </a:pPr>
+            <a:endParaRPr lang="en-US" sz="1800" dirty="0">
+              <a:solidFill>
+                <a:schemeClr val="bg1"/>
+              </a:solidFill>
+              <a:latin typeface="Share Tech"/>
+              <a:sym typeface="Maven Pro"/>
+            </a:endParaRPr>
+          </a:p>
+          <a:p>
+            <a:pPr marL="285750" indent="-285750">
+              <a:buFont typeface="Arial" panose="020B0604020202020204" pitchFamily="34" charset="0"/>
+              <a:buChar char="•"/>
+            </a:pPr>
+            <a:endParaRPr lang="en-US" sz="1800" dirty="0">
+              <a:solidFill>
+                <a:schemeClr val="bg1"/>
+              </a:solidFill>
+              <a:latin typeface="Share Tech"/>
+              <a:sym typeface="Maven Pro"/>
+            </a:endParaRPr>
+          </a:p>
+          <a:p>
+            <a:pPr marL="285750" indent="-285750">
+              <a:buFont typeface="Arial" panose="020B0604020202020204" pitchFamily="34" charset="0"/>
+              <a:buChar char="•"/>
+            </a:pPr>
+            <a:endParaRPr lang="en-US" sz="1800" dirty="0">
+              <a:solidFill>
+                <a:schemeClr val="bg1"/>
+              </a:solidFill>
+              <a:latin typeface="Share Tech"/>
+              <a:sym typeface="Maven Pro"/>
+            </a:endParaRPr>
+          </a:p>
+          <a:p>
+            <a:pPr marL="285750" indent="-285750">
+              <a:buFont typeface="Arial" panose="020B0604020202020204" pitchFamily="34" charset="0"/>
+              <a:buChar char="•"/>
+            </a:pPr>
+            <a:endParaRPr lang="en-US" sz="1800" dirty="0">
+              <a:solidFill>
+                <a:schemeClr val="bg1"/>
+              </a:solidFill>
+              <a:latin typeface="Share Tech"/>
+              <a:sym typeface="Maven Pro"/>
+            </a:endParaRPr>
           </a:p>
         </p:txBody>
       </p:sp>
       <p:pic>
         <p:nvPicPr>
-          <p:cNvPr id="3" name="Picture 2">
+          <p:cNvPr id="11" name="Picture 10">
             <a:extLst>
               <a:ext uri="{FF2B5EF4-FFF2-40B4-BE49-F238E27FC236}">
-                <a16:creationId xmlns:a16="http://schemas.microsoft.com/office/drawing/2014/main" id="{168ECAFF-052B-7DBE-10EA-B69E727A78B6}"/>
+                <a16:creationId xmlns:a16="http://schemas.microsoft.com/office/drawing/2014/main" id="{9BC2EBCF-31E6-EA8D-62D0-429E01C909AE}"/>
               </a:ext>
             </a:extLst>
           </p:cNvPr>
@@ -15166,15 +15959,15 @@
           <p:nvPr/>
         </p:nvPicPr>
         <p:blipFill>
-          <a:blip r:embed="rId3"/>
+          <a:blip r:embed="rId4"/>
           <a:stretch>
             <a:fillRect/>
           </a:stretch>
         </p:blipFill>
         <p:spPr>
           <a:xfrm>
-            <a:off x="4572000" y="658024"/>
-            <a:ext cx="4122807" cy="4317773"/>
+            <a:off x="4033179" y="3274721"/>
+            <a:ext cx="5110821" cy="1396778"/>
           </a:xfrm>
           <a:prstGeom prst="rect">
             <a:avLst/>
@@ -15182,6 +15975,11 @@
         </p:spPr>
       </p:pic>
     </p:spTree>
+    <p:extLst>
+      <p:ext uri="{BB962C8B-B14F-4D97-AF65-F5344CB8AC3E}">
+        <p14:creationId xmlns:p14="http://schemas.microsoft.com/office/powerpoint/2010/main" val="3434990201"/>
+      </p:ext>
+    </p:extLst>
   </p:cSld>
   <p:clrMapOvr>
     <a:masterClrMapping/>
@@ -15218,7 +16016,7 @@
         </p:nvSpPr>
         <p:spPr>
           <a:xfrm>
-            <a:off x="564048" y="111888"/>
+            <a:off x="129644" y="0"/>
             <a:ext cx="4727700" cy="577800"/>
           </a:xfrm>
           <a:prstGeom prst="rect">
@@ -15242,8 +16040,9 @@
             </a:pPr>
             <a:r>
               <a:rPr lang="en-US" dirty="0"/>
-              <a:t>Feature Relationships</a:t>
+              <a:t>Correlation Matrix Heatmap</a:t>
             </a:r>
+            <a:endParaRPr dirty="0"/>
           </a:p>
         </p:txBody>
       </p:sp>
@@ -15255,8 +16054,8 @@
         </p:nvSpPr>
         <p:spPr>
           <a:xfrm>
-            <a:off x="564048" y="712860"/>
-            <a:ext cx="3308705" cy="3959031"/>
+            <a:off x="163851" y="236784"/>
+            <a:ext cx="4122807" cy="3492045"/>
           </a:xfrm>
           <a:prstGeom prst="rect">
             <a:avLst/>
@@ -15272,6 +16071,53 @@
           </a:bodyPr>
           <a:lstStyle/>
           <a:p>
+            <a:pPr lvl="3">
+              <a:buClr>
+                <a:schemeClr val="bg1"/>
+              </a:buClr>
+            </a:pPr>
+            <a:endParaRPr lang="en-US" sz="1800" dirty="0">
+              <a:solidFill>
+                <a:schemeClr val="lt1"/>
+              </a:solidFill>
+              <a:latin typeface="Share Tech"/>
+              <a:sym typeface="Maven Pro"/>
+            </a:endParaRPr>
+          </a:p>
+          <a:p>
+            <a:pPr marL="285750" lvl="3" indent="-285750">
+              <a:buClr>
+                <a:schemeClr val="bg1"/>
+              </a:buClr>
+              <a:buFont typeface="Arial" panose="020B0604020202020204" pitchFamily="34" charset="0"/>
+              <a:buChar char="•"/>
+            </a:pPr>
+            <a:r>
+              <a:rPr lang="en-US" sz="1800" dirty="0">
+                <a:solidFill>
+                  <a:schemeClr val="lt1"/>
+                </a:solidFill>
+                <a:latin typeface="Share Tech"/>
+                <a:sym typeface="Maven Pro"/>
+              </a:rPr>
+              <a:t>ROA(C) , operating gross margin, Net Income to Total Assets, have high positive correlation with bankruptcy status and may be good bankruptcy predictors.</a:t>
+            </a:r>
+          </a:p>
+          <a:p>
+            <a:pPr algn="l">
+              <a:buClr>
+                <a:schemeClr val="bg1"/>
+              </a:buClr>
+            </a:pPr>
+            <a:endParaRPr lang="en-US" sz="1800" dirty="0">
+              <a:solidFill>
+                <a:schemeClr val="lt1"/>
+              </a:solidFill>
+              <a:latin typeface="Share Tech"/>
+              <a:sym typeface="Maven Pro"/>
+            </a:endParaRPr>
+          </a:p>
+          <a:p>
             <a:pPr marL="285750" indent="-285750" algn="l">
               <a:buClr>
                 <a:schemeClr val="bg1"/>
@@ -15286,42 +16132,11 @@
                 </a:solidFill>
                 <a:latin typeface="Share Tech"/>
               </a:rPr>
-              <a:t>Most features do not separate bankrupt and non-bankrupt companies well</a:t>
+              <a:t>Net income and current liability ratio have negative correlation  with bankruptcy.</a:t>
             </a:r>
           </a:p>
           <a:p>
-            <a:pPr algn="l">
-              <a:buClr>
-                <a:schemeClr val="bg1"/>
-              </a:buClr>
-            </a:pPr>
-            <a:endParaRPr lang="en-US" sz="1800" dirty="0">
-              <a:solidFill>
-                <a:schemeClr val="lt1"/>
-              </a:solidFill>
-              <a:latin typeface="Share Tech"/>
-            </a:endParaRPr>
-          </a:p>
-          <a:p>
             <a:pPr marL="285750" indent="-285750" algn="l">
-              <a:buClr>
-                <a:schemeClr val="bg1"/>
-              </a:buClr>
-              <a:buFont typeface="Arial" panose="020B0604020202020204" pitchFamily="34" charset="0"/>
-              <a:buChar char="•"/>
-            </a:pPr>
-            <a:r>
-              <a:rPr lang="en-US" sz="1800" dirty="0">
-                <a:solidFill>
-                  <a:schemeClr val="lt1"/>
-                </a:solidFill>
-                <a:latin typeface="Share Tech"/>
-              </a:rPr>
-              <a:t>ROA(C) and cash flow to total assets may be good bankruptcy predictors</a:t>
-            </a:r>
-          </a:p>
-          <a:p>
-            <a:pPr algn="l">
               <a:buClr>
                 <a:schemeClr val="bg1"/>
               </a:buClr>
@@ -15335,24 +16150,6 @@
               <a:latin typeface="Share Tech"/>
             </a:endParaRPr>
           </a:p>
-          <a:p>
-            <a:pPr marL="285750" indent="-285750" algn="l">
-              <a:buClr>
-                <a:schemeClr val="bg1"/>
-              </a:buClr>
-              <a:buFont typeface="Arial" panose="020B0604020202020204" pitchFamily="34" charset="0"/>
-              <a:buChar char="•"/>
-            </a:pPr>
-            <a:r>
-              <a:rPr lang="en-US" sz="1800" dirty="0">
-                <a:solidFill>
-                  <a:schemeClr val="lt1"/>
-                </a:solidFill>
-                <a:latin typeface="Share Tech"/>
-              </a:rPr>
-              <a:t>Current ratio and quick ratio may require non-linear models for their relationship with bankruptcy</a:t>
-            </a:r>
-          </a:p>
         </p:txBody>
       </p:sp>
       <p:pic>
@@ -15360,7 +16157,7 @@
           <p:cNvPr id="3" name="Picture 2">
             <a:extLst>
               <a:ext uri="{FF2B5EF4-FFF2-40B4-BE49-F238E27FC236}">
-                <a16:creationId xmlns:a16="http://schemas.microsoft.com/office/drawing/2014/main" id="{DF676138-BD12-CF56-AECD-359043118F8A}"/>
+                <a16:creationId xmlns:a16="http://schemas.microsoft.com/office/drawing/2014/main" id="{168ECAFF-052B-7DBE-10EA-B69E727A78B6}"/>
               </a:ext>
             </a:extLst>
           </p:cNvPr>
@@ -15377,8 +16174,8 @@
         </p:blipFill>
         <p:spPr>
           <a:xfrm>
-            <a:off x="4495159" y="313745"/>
-            <a:ext cx="4140736" cy="4516010"/>
+            <a:off x="4572000" y="658024"/>
+            <a:ext cx="4122807" cy="4317773"/>
           </a:xfrm>
           <a:prstGeom prst="rect">
             <a:avLst/>
@@ -15386,11 +16183,6 @@
         </p:spPr>
       </p:pic>
     </p:spTree>
-    <p:extLst>
-      <p:ext uri="{BB962C8B-B14F-4D97-AF65-F5344CB8AC3E}">
-        <p14:creationId xmlns:p14="http://schemas.microsoft.com/office/powerpoint/2010/main" val="803935081"/>
-      </p:ext>
-    </p:extLst>
   </p:cSld>
   <p:clrMapOvr>
     <a:masterClrMapping/>
